--- a/SQLServerDataTools.pptx
+++ b/SQLServerDataTools.pptx
@@ -17362,8 +17362,13 @@
             </a:pPr>
             <a:r>
               <a:rPr lang="en-US" dirty="0" smtClean="0"/>
-              <a:t>Publishing via TSQL</a:t>
-            </a:r>
+              <a:t>Publishing via </a:t>
+            </a:r>
+            <a:r>
+              <a:rPr lang="en-US" dirty="0" smtClean="0"/>
+              <a:t>TSQL Diff</a:t>
+            </a:r>
+            <a:endParaRPr lang="en-US" dirty="0" smtClean="0"/>
           </a:p>
           <a:p>
             <a:pPr marL="571500" indent="-571500">
